--- a/docs/EasyEats.pptx
+++ b/docs/EasyEats.pptx
@@ -5,15 +5,14 @@
     <p:sldMasterId id="2147483648" r:id="rId1"/>
   </p:sldMasterIdLst>
   <p:notesMasterIdLst>
-    <p:notesMasterId r:id="rId8"/>
+    <p:notesMasterId r:id="rId7"/>
   </p:notesMasterIdLst>
   <p:sldIdLst>
     <p:sldId id="256" r:id="rId2"/>
     <p:sldId id="257" r:id="rId3"/>
     <p:sldId id="258" r:id="rId4"/>
-    <p:sldId id="259" r:id="rId5"/>
-    <p:sldId id="260" r:id="rId6"/>
-    <p:sldId id="261" r:id="rId7"/>
+    <p:sldId id="260" r:id="rId5"/>
+    <p:sldId id="261" r:id="rId6"/>
   </p:sldIdLst>
   <p:sldSz cx="12192000" cy="6858000"/>
   <p:notesSz cx="6858000" cy="9144000"/>
@@ -112,6 +111,11 @@
       </a:defRPr>
     </a:lvl9pPr>
   </p:defaultTextStyle>
+  <p:extLst>
+    <p:ext uri="{EFAFB233-063F-42B5-8137-9DF3F51BA10A}">
+      <p15:sldGuideLst xmlns:p15="http://schemas.microsoft.com/office/powerpoint/2012/main"/>
+    </p:ext>
+  </p:extLst>
 </p:presentation>
 </file>
 
@@ -292,7 +296,6 @@
               <a:rPr lang="en-US"/>
               <a:t>Fifth level</a:t>
             </a:r>
-            <a:endParaRPr lang="en-US"/>
           </a:p>
         </p:txBody>
       </p:sp>
@@ -511,7 +514,7 @@
           <a:p>
             <a:r>
               <a:rPr lang="en-US" dirty="0"/>
-              <a:t>For instance I have literally never once remembered what the house special is, and as a result I have never ordered one.  If the chef can put his specials on the menu, customers will much easier able to order them</a:t>
+              <a:t>For instance I have literally never once remembered what the house special is, and as a result I have never ordered one.  If the chef can put his specials on the menu, customers will be able to devote as much attention to them, and be able to order them</a:t>
             </a:r>
           </a:p>
         </p:txBody>
@@ -533,7 +536,7 @@
           <a:p>
             <a:fld id="{45F9C588-9A7C-41FA-AACA-2E0EA79F87E2}" type="slidenum">
               <a:rPr lang="en-US" smtClean="0"/>
-              <a:t>6</a:t>
+              <a:t>5</a:t>
             </a:fld>
             <a:endParaRPr lang="en-US"/>
           </a:p>
@@ -597,7 +600,6 @@
               <a:rPr lang="en-US"/>
               <a:t>Click to edit Master title style</a:t>
             </a:r>
-            <a:endParaRPr lang="en-US"/>
           </a:p>
         </p:txBody>
       </p:sp>
@@ -662,7 +664,6 @@
               <a:rPr lang="en-US"/>
               <a:t>Click to edit Master subtitle style</a:t>
             </a:r>
-            <a:endParaRPr lang="en-US"/>
           </a:p>
         </p:txBody>
       </p:sp>
@@ -683,7 +684,7 @@
           <a:p>
             <a:fld id="{4D4C6EA2-8E60-4320-BF55-3E57ABFEE6CC}" type="datetimeFigureOut">
               <a:rPr lang="en-US" smtClean="0"/>
-              <a:t>3/26/2017</a:t>
+              <a:t>3/27/2017</a:t>
             </a:fld>
             <a:endParaRPr lang="en-US"/>
           </a:p>
@@ -780,7 +781,6 @@
               <a:rPr lang="en-US"/>
               <a:t>Click to edit Master title style</a:t>
             </a:r>
-            <a:endParaRPr lang="en-US"/>
           </a:p>
         </p:txBody>
       </p:sp>
@@ -832,7 +832,6 @@
               <a:rPr lang="en-US"/>
               <a:t>Fifth level</a:t>
             </a:r>
-            <a:endParaRPr lang="en-US"/>
           </a:p>
         </p:txBody>
       </p:sp>
@@ -853,7 +852,7 @@
           <a:p>
             <a:fld id="{4D4C6EA2-8E60-4320-BF55-3E57ABFEE6CC}" type="datetimeFigureOut">
               <a:rPr lang="en-US" smtClean="0"/>
-              <a:t>3/26/2017</a:t>
+              <a:t>3/27/2017</a:t>
             </a:fld>
             <a:endParaRPr lang="en-US"/>
           </a:p>
@@ -955,7 +954,6 @@
               <a:rPr lang="en-US"/>
               <a:t>Click to edit Master title style</a:t>
             </a:r>
-            <a:endParaRPr lang="en-US"/>
           </a:p>
         </p:txBody>
       </p:sp>
@@ -1012,7 +1010,6 @@
               <a:rPr lang="en-US"/>
               <a:t>Fifth level</a:t>
             </a:r>
-            <a:endParaRPr lang="en-US"/>
           </a:p>
         </p:txBody>
       </p:sp>
@@ -1033,7 +1030,7 @@
           <a:p>
             <a:fld id="{4D4C6EA2-8E60-4320-BF55-3E57ABFEE6CC}" type="datetimeFigureOut">
               <a:rPr lang="en-US" smtClean="0"/>
-              <a:t>3/26/2017</a:t>
+              <a:t>3/27/2017</a:t>
             </a:fld>
             <a:endParaRPr lang="en-US"/>
           </a:p>
@@ -1130,7 +1127,6 @@
               <a:rPr lang="en-US"/>
               <a:t>Click to edit Master title style</a:t>
             </a:r>
-            <a:endParaRPr lang="en-US"/>
           </a:p>
         </p:txBody>
       </p:sp>
@@ -1182,7 +1178,6 @@
               <a:rPr lang="en-US"/>
               <a:t>Fifth level</a:t>
             </a:r>
-            <a:endParaRPr lang="en-US"/>
           </a:p>
         </p:txBody>
       </p:sp>
@@ -1203,7 +1198,7 @@
           <a:p>
             <a:fld id="{4D4C6EA2-8E60-4320-BF55-3E57ABFEE6CC}" type="datetimeFigureOut">
               <a:rPr lang="en-US" smtClean="0"/>
-              <a:t>3/26/2017</a:t>
+              <a:t>3/27/2017</a:t>
             </a:fld>
             <a:endParaRPr lang="en-US"/>
           </a:p>
@@ -1309,7 +1304,6 @@
               <a:rPr lang="en-US"/>
               <a:t>Click to edit Master title style</a:t>
             </a:r>
-            <a:endParaRPr lang="en-US"/>
           </a:p>
         </p:txBody>
       </p:sp>
@@ -1449,7 +1443,7 @@
           <a:p>
             <a:fld id="{4D4C6EA2-8E60-4320-BF55-3E57ABFEE6CC}" type="datetimeFigureOut">
               <a:rPr lang="en-US" smtClean="0"/>
-              <a:t>3/26/2017</a:t>
+              <a:t>3/27/2017</a:t>
             </a:fld>
             <a:endParaRPr lang="en-US"/>
           </a:p>
@@ -1546,7 +1540,6 @@
               <a:rPr lang="en-US"/>
               <a:t>Click to edit Master title style</a:t>
             </a:r>
-            <a:endParaRPr lang="en-US"/>
           </a:p>
         </p:txBody>
       </p:sp>
@@ -1603,7 +1596,6 @@
               <a:rPr lang="en-US"/>
               <a:t>Fifth level</a:t>
             </a:r>
-            <a:endParaRPr lang="en-US"/>
           </a:p>
         </p:txBody>
       </p:sp>
@@ -1660,7 +1652,6 @@
               <a:rPr lang="en-US"/>
               <a:t>Fifth level</a:t>
             </a:r>
-            <a:endParaRPr lang="en-US"/>
           </a:p>
         </p:txBody>
       </p:sp>
@@ -1681,7 +1672,7 @@
           <a:p>
             <a:fld id="{4D4C6EA2-8E60-4320-BF55-3E57ABFEE6CC}" type="datetimeFigureOut">
               <a:rPr lang="en-US" smtClean="0"/>
-              <a:t>3/26/2017</a:t>
+              <a:t>3/27/2017</a:t>
             </a:fld>
             <a:endParaRPr lang="en-US"/>
           </a:p>
@@ -1783,7 +1774,6 @@
               <a:rPr lang="en-US"/>
               <a:t>Click to edit Master title style</a:t>
             </a:r>
-            <a:endParaRPr lang="en-US"/>
           </a:p>
         </p:txBody>
       </p:sp>
@@ -1905,7 +1895,6 @@
               <a:rPr lang="en-US"/>
               <a:t>Fifth level</a:t>
             </a:r>
-            <a:endParaRPr lang="en-US"/>
           </a:p>
         </p:txBody>
       </p:sp>
@@ -2027,7 +2016,6 @@
               <a:rPr lang="en-US"/>
               <a:t>Fifth level</a:t>
             </a:r>
-            <a:endParaRPr lang="en-US"/>
           </a:p>
         </p:txBody>
       </p:sp>
@@ -2048,7 +2036,7 @@
           <a:p>
             <a:fld id="{4D4C6EA2-8E60-4320-BF55-3E57ABFEE6CC}" type="datetimeFigureOut">
               <a:rPr lang="en-US" smtClean="0"/>
-              <a:t>3/26/2017</a:t>
+              <a:t>3/27/2017</a:t>
             </a:fld>
             <a:endParaRPr lang="en-US"/>
           </a:p>
@@ -2145,7 +2133,6 @@
               <a:rPr lang="en-US"/>
               <a:t>Click to edit Master title style</a:t>
             </a:r>
-            <a:endParaRPr lang="en-US"/>
           </a:p>
         </p:txBody>
       </p:sp>
@@ -2166,7 +2153,7 @@
           <a:p>
             <a:fld id="{4D4C6EA2-8E60-4320-BF55-3E57ABFEE6CC}" type="datetimeFigureOut">
               <a:rPr lang="en-US" smtClean="0"/>
-              <a:t>3/26/2017</a:t>
+              <a:t>3/27/2017</a:t>
             </a:fld>
             <a:endParaRPr lang="en-US"/>
           </a:p>
@@ -2261,7 +2248,7 @@
           <a:p>
             <a:fld id="{4D4C6EA2-8E60-4320-BF55-3E57ABFEE6CC}" type="datetimeFigureOut">
               <a:rPr lang="en-US" smtClean="0"/>
-              <a:t>3/26/2017</a:t>
+              <a:t>3/27/2017</a:t>
             </a:fld>
             <a:endParaRPr lang="en-US"/>
           </a:p>
@@ -2367,7 +2354,6 @@
               <a:rPr lang="en-US"/>
               <a:t>Click to edit Master title style</a:t>
             </a:r>
-            <a:endParaRPr lang="en-US"/>
           </a:p>
         </p:txBody>
       </p:sp>
@@ -2452,7 +2438,6 @@
               <a:rPr lang="en-US"/>
               <a:t>Fifth level</a:t>
             </a:r>
-            <a:endParaRPr lang="en-US"/>
           </a:p>
         </p:txBody>
       </p:sp>
@@ -2538,7 +2523,7 @@
           <a:p>
             <a:fld id="{4D4C6EA2-8E60-4320-BF55-3E57ABFEE6CC}" type="datetimeFigureOut">
               <a:rPr lang="en-US" smtClean="0"/>
-              <a:t>3/26/2017</a:t>
+              <a:t>3/27/2017</a:t>
             </a:fld>
             <a:endParaRPr lang="en-US"/>
           </a:p>
@@ -2644,7 +2629,6 @@
               <a:rPr lang="en-US"/>
               <a:t>Click to edit Master title style</a:t>
             </a:r>
-            <a:endParaRPr lang="en-US"/>
           </a:p>
         </p:txBody>
       </p:sp>
@@ -2791,7 +2775,7 @@
           <a:p>
             <a:fld id="{4D4C6EA2-8E60-4320-BF55-3E57ABFEE6CC}" type="datetimeFigureOut">
               <a:rPr lang="en-US" smtClean="0"/>
-              <a:t>3/26/2017</a:t>
+              <a:t>3/27/2017</a:t>
             </a:fld>
             <a:endParaRPr lang="en-US"/>
           </a:p>
@@ -2903,7 +2887,6 @@
               <a:rPr lang="en-US"/>
               <a:t>Click to edit Master title style</a:t>
             </a:r>
-            <a:endParaRPr lang="en-US"/>
           </a:p>
         </p:txBody>
       </p:sp>
@@ -2965,7 +2948,6 @@
               <a:rPr lang="en-US"/>
               <a:t>Fifth level</a:t>
             </a:r>
-            <a:endParaRPr lang="en-US"/>
           </a:p>
         </p:txBody>
       </p:sp>
@@ -3004,7 +2986,7 @@
           <a:p>
             <a:fld id="{4D4C6EA2-8E60-4320-BF55-3E57ABFEE6CC}" type="datetimeFigureOut">
               <a:rPr lang="en-US" smtClean="0"/>
-              <a:t>3/26/2017</a:t>
+              <a:t>3/27/2017</a:t>
             </a:fld>
             <a:endParaRPr lang="en-US"/>
           </a:p>
@@ -3476,7 +3458,7 @@
         </p:spPr>
         <p:txBody>
           <a:bodyPr>
-            <a:normAutofit fontScale="92500" lnSpcReduction="10000"/>
+            <a:normAutofit fontScale="85000" lnSpcReduction="10000"/>
           </a:bodyPr>
           <a:lstStyle/>
           <a:p>
@@ -3508,7 +3490,31 @@
               <a:rPr lang="en-US" dirty="0">
                 <a:latin typeface="Candara" panose="020E0502030303020204" pitchFamily="34" charset="0"/>
               </a:rPr>
-              <a:t>, Elizabeth Caronia, Brett </a:t>
+              <a:t>, Elizabeth Caronia, </a:t>
+            </a:r>
+            <a:r>
+              <a:rPr lang="en-US" dirty="0" err="1">
+                <a:latin typeface="Candara" panose="020E0502030303020204" pitchFamily="34" charset="0"/>
+              </a:rPr>
+              <a:t>Mithulesh</a:t>
+            </a:r>
+            <a:r>
+              <a:rPr lang="en-US" dirty="0">
+                <a:latin typeface="Candara" panose="020E0502030303020204" pitchFamily="34" charset="0"/>
+              </a:rPr>
+              <a:t> </a:t>
+            </a:r>
+            <a:r>
+              <a:rPr lang="en-US" dirty="0" err="1">
+                <a:latin typeface="Candara" panose="020E0502030303020204" pitchFamily="34" charset="0"/>
+              </a:rPr>
+              <a:t>Kurale</a:t>
+            </a:r>
+            <a:r>
+              <a:rPr lang="en-US" dirty="0">
+                <a:latin typeface="Candara" panose="020E0502030303020204" pitchFamily="34" charset="0"/>
+              </a:rPr>
+              <a:t>, Brett </a:t>
             </a:r>
             <a:r>
               <a:rPr lang="en-US" dirty="0" err="1">
@@ -3745,7 +3751,11 @@
             <p:ph sz="half" idx="1"/>
           </p:nvPr>
         </p:nvSpPr>
-        <p:spPr/>
+        <p:spPr>
+          <a:solidFill>
+            <a:srgbClr val="000000"/>
+          </a:solidFill>
+        </p:spPr>
         <p:txBody>
           <a:bodyPr/>
           <a:lstStyle/>
@@ -4005,7 +4015,11 @@
             <p:ph sz="half" idx="1"/>
           </p:nvPr>
         </p:nvSpPr>
-        <p:spPr/>
+        <p:spPr>
+          <a:solidFill>
+            <a:srgbClr val="130D07"/>
+          </a:solidFill>
+        </p:spPr>
         <p:txBody>
           <a:bodyPr/>
           <a:lstStyle/>
@@ -4073,127 +4087,6 @@
 </file>
 
 <file path=ppt/slides/slide4.xml><?xml version="1.0" encoding="utf-8"?>
-<p:sld xmlns:a="http://schemas.openxmlformats.org/drawingml/2006/main" xmlns:r="http://schemas.openxmlformats.org/officeDocument/2006/relationships" xmlns:p="http://schemas.openxmlformats.org/presentationml/2006/main">
-  <p:cSld>
-    <p:bg>
-      <p:bgPr>
-        <a:blipFill dpi="0" rotWithShape="1">
-          <a:blip r:embed="rId2">
-            <a:alphaModFix amt="67000"/>
-            <a:lum/>
-          </a:blip>
-          <a:srcRect/>
-          <a:stretch>
-            <a:fillRect t="-9000" b="-9000"/>
-          </a:stretch>
-        </a:blipFill>
-        <a:effectLst/>
-      </p:bgPr>
-    </p:bg>
-    <p:spTree>
-      <p:nvGrpSpPr>
-        <p:cNvPr id="1" name=""/>
-        <p:cNvGrpSpPr/>
-        <p:nvPr/>
-      </p:nvGrpSpPr>
-      <p:grpSpPr>
-        <a:xfrm>
-          <a:off x="0" y="0"/>
-          <a:ext cx="0" cy="0"/>
-          <a:chOff x="0" y="0"/>
-          <a:chExt cx="0" cy="0"/>
-        </a:xfrm>
-      </p:grpSpPr>
-      <p:sp>
-        <p:nvSpPr>
-          <p:cNvPr id="2" name="Title 1"/>
-          <p:cNvSpPr>
-            <a:spLocks noGrp="1"/>
-          </p:cNvSpPr>
-          <p:nvPr>
-            <p:ph type="title"/>
-          </p:nvPr>
-        </p:nvSpPr>
-        <p:spPr/>
-        <p:txBody>
-          <a:bodyPr/>
-          <a:lstStyle/>
-          <a:p>
-            <a:r>
-              <a:rPr lang="en-US" dirty="0" err="1">
-                <a:solidFill>
-                  <a:schemeClr val="bg1"/>
-                </a:solidFill>
-              </a:rPr>
-              <a:t>Walkthough</a:t>
-            </a:r>
-            <a:endParaRPr lang="en-US" dirty="0">
-              <a:solidFill>
-                <a:schemeClr val="bg1"/>
-              </a:solidFill>
-            </a:endParaRPr>
-          </a:p>
-        </p:txBody>
-      </p:sp>
-      <p:sp>
-        <p:nvSpPr>
-          <p:cNvPr id="3" name="Content Placeholder 2"/>
-          <p:cNvSpPr>
-            <a:spLocks noGrp="1"/>
-          </p:cNvSpPr>
-          <p:nvPr>
-            <p:ph sz="half" idx="1"/>
-          </p:nvPr>
-        </p:nvSpPr>
-        <p:spPr>
-          <a:xfrm>
-            <a:off x="838199" y="1825625"/>
-            <a:ext cx="8795327" cy="4351338"/>
-          </a:xfrm>
-        </p:spPr>
-        <p:txBody>
-          <a:bodyPr/>
-          <a:lstStyle/>
-          <a:p>
-            <a:pPr marL="0" indent="0">
-              <a:buNone/>
-            </a:pPr>
-            <a:r>
-              <a:rPr lang="en-US" dirty="0">
-                <a:solidFill>
-                  <a:schemeClr val="accent6">
-                    <a:lumMod val="20000"/>
-                    <a:lumOff val="80000"/>
-                  </a:schemeClr>
-                </a:solidFill>
-              </a:rPr>
-              <a:t>https://github.com/wongkristen/SE_RestaurantAutomation/tree/elizabeth/RestaurantAutomation</a:t>
-            </a:r>
-            <a:endParaRPr lang="en-US" dirty="0">
-              <a:solidFill>
-                <a:schemeClr val="accent6">
-                  <a:lumMod val="20000"/>
-                  <a:lumOff val="80000"/>
-                </a:schemeClr>
-              </a:solidFill>
-            </a:endParaRPr>
-          </a:p>
-        </p:txBody>
-      </p:sp>
-    </p:spTree>
-    <p:extLst>
-      <p:ext uri="{BB962C8B-B14F-4D97-AF65-F5344CB8AC3E}">
-        <p14:creationId xmlns:p14="http://schemas.microsoft.com/office/powerpoint/2010/main" val="3350607756"/>
-      </p:ext>
-    </p:extLst>
-  </p:cSld>
-  <p:clrMapOvr>
-    <a:masterClrMapping/>
-  </p:clrMapOvr>
-</p:sld>
-</file>
-
-<file path=ppt/slides/slide5.xml><?xml version="1.0" encoding="utf-8"?>
 <p:sld xmlns:a="http://schemas.openxmlformats.org/drawingml/2006/main" xmlns:r="http://schemas.openxmlformats.org/officeDocument/2006/relationships" xmlns:p="http://schemas.openxmlformats.org/presentationml/2006/main">
   <p:cSld>
     <p:bg>
@@ -4261,7 +4154,11 @@
             <p:ph sz="half" idx="1"/>
           </p:nvPr>
         </p:nvSpPr>
-        <p:spPr/>
+        <p:spPr>
+          <a:solidFill>
+            <a:srgbClr val="130D07"/>
+          </a:solidFill>
+        </p:spPr>
         <p:txBody>
           <a:bodyPr/>
           <a:lstStyle/>
@@ -4436,7 +4333,7 @@
 </p:sld>
 </file>
 
-<file path=ppt/slides/slide6.xml><?xml version="1.0" encoding="utf-8"?>
+<file path=ppt/slides/slide5.xml><?xml version="1.0" encoding="utf-8"?>
 <p:sld xmlns:a="http://schemas.openxmlformats.org/drawingml/2006/main" xmlns:r="http://schemas.openxmlformats.org/officeDocument/2006/relationships" xmlns:p="http://schemas.openxmlformats.org/presentationml/2006/main">
   <p:cSld>
     <p:bg>
@@ -4503,7 +4400,15 @@
             <p:ph sz="half" idx="1"/>
           </p:nvPr>
         </p:nvSpPr>
-        <p:spPr/>
+        <p:spPr>
+          <a:xfrm>
+            <a:off x="914400" y="1690688"/>
+            <a:ext cx="4523362" cy="4351338"/>
+          </a:xfrm>
+          <a:solidFill>
+            <a:srgbClr val="000000"/>
+          </a:solidFill>
+        </p:spPr>
         <p:txBody>
           <a:bodyPr/>
           <a:lstStyle/>
@@ -4545,7 +4450,7 @@
                   </a:schemeClr>
                 </a:solidFill>
               </a:rPr>
-              <a:t>Stats</a:t>
+              <a:t>Stats/ profit page</a:t>
             </a:r>
           </a:p>
           <a:p>
@@ -4561,6 +4466,20 @@
               </a:rPr>
               <a:t>Employee shifts</a:t>
             </a:r>
+          </a:p>
+          <a:p>
+            <a:pPr lvl="2"/>
+            <a:r>
+              <a:rPr lang="en-US" dirty="0">
+                <a:solidFill>
+                  <a:schemeClr val="accent6">
+                    <a:lumMod val="60000"/>
+                    <a:lumOff val="40000"/>
+                  </a:schemeClr>
+                </a:solidFill>
+              </a:rPr>
+              <a:t>Login page  =&gt; correct location</a:t>
+            </a:r>
             <a:endParaRPr lang="en-US" dirty="0">
               <a:solidFill>
                 <a:schemeClr val="accent6">
@@ -4569,6 +4488,20 @@
                 </a:schemeClr>
               </a:solidFill>
             </a:endParaRPr>
+          </a:p>
+          <a:p>
+            <a:pPr lvl="1"/>
+            <a:r>
+              <a:rPr lang="en-US" dirty="0">
+                <a:solidFill>
+                  <a:schemeClr val="accent6">
+                    <a:lumMod val="60000"/>
+                    <a:lumOff val="40000"/>
+                  </a:schemeClr>
+                </a:solidFill>
+              </a:rPr>
+              <a:t>Server</a:t>
+            </a:r>
           </a:p>
           <a:p>
             <a:r>
@@ -4619,25 +4552,6 @@
           <a:p>
             <a:pPr lvl="2"/>
             <a:endParaRPr lang="en-US" dirty="0"/>
-          </a:p>
-        </p:txBody>
-      </p:sp>
-      <p:sp>
-        <p:nvSpPr>
-          <p:cNvPr id="4" name="Content Placeholder 3"/>
-          <p:cNvSpPr>
-            <a:spLocks noGrp="1"/>
-          </p:cNvSpPr>
-          <p:nvPr>
-            <p:ph sz="half" idx="2"/>
-          </p:nvPr>
-        </p:nvSpPr>
-        <p:spPr/>
-        <p:txBody>
-          <a:bodyPr/>
-          <a:lstStyle/>
-          <a:p>
-            <a:endParaRPr lang="en-US"/>
           </a:p>
         </p:txBody>
       </p:sp>
